--- a/UltraOOXX.pptx
+++ b/UltraOOXX.pptx
@@ -949,7 +949,7 @@
           <a:p>
             <a:fld id="{A8E206B0-F667-4457-9769-DB2660358378}" type="datetimeFigureOut">
               <a:rPr lang="zh-TW" altLang="en-US" smtClean="0"/>
-              <a:t>2020/5/22</a:t>
+              <a:t>2020/6/27</a:t>
             </a:fld>
             <a:endParaRPr lang="zh-TW" altLang="en-US"/>
           </a:p>
@@ -1200,7 +1200,7 @@
           <a:p>
             <a:fld id="{A8E206B0-F667-4457-9769-DB2660358378}" type="datetimeFigureOut">
               <a:rPr lang="zh-TW" altLang="en-US" smtClean="0"/>
-              <a:t>2020/5/22</a:t>
+              <a:t>2020/6/27</a:t>
             </a:fld>
             <a:endParaRPr lang="zh-TW" altLang="en-US"/>
           </a:p>
@@ -1514,7 +1514,7 @@
           <a:p>
             <a:fld id="{A8E206B0-F667-4457-9769-DB2660358378}" type="datetimeFigureOut">
               <a:rPr lang="zh-TW" altLang="en-US" smtClean="0"/>
-              <a:t>2020/5/22</a:t>
+              <a:t>2020/6/27</a:t>
             </a:fld>
             <a:endParaRPr lang="zh-TW" altLang="en-US"/>
           </a:p>
@@ -1847,7 +1847,7 @@
           <a:p>
             <a:fld id="{A8E206B0-F667-4457-9769-DB2660358378}" type="datetimeFigureOut">
               <a:rPr lang="zh-TW" altLang="en-US" smtClean="0"/>
-              <a:t>2020/5/22</a:t>
+              <a:t>2020/6/27</a:t>
             </a:fld>
             <a:endParaRPr lang="zh-TW" altLang="en-US"/>
           </a:p>
@@ -2161,7 +2161,7 @@
           <a:p>
             <a:fld id="{A8E206B0-F667-4457-9769-DB2660358378}" type="datetimeFigureOut">
               <a:rPr lang="zh-TW" altLang="en-US" smtClean="0"/>
-              <a:t>2020/5/22</a:t>
+              <a:t>2020/6/27</a:t>
             </a:fld>
             <a:endParaRPr lang="zh-TW" altLang="en-US"/>
           </a:p>
@@ -2554,7 +2554,7 @@
           <a:p>
             <a:fld id="{A8E206B0-F667-4457-9769-DB2660358378}" type="datetimeFigureOut">
               <a:rPr lang="zh-TW" altLang="en-US" smtClean="0"/>
-              <a:t>2020/5/22</a:t>
+              <a:t>2020/6/27</a:t>
             </a:fld>
             <a:endParaRPr lang="zh-TW" altLang="en-US"/>
           </a:p>
@@ -2724,7 +2724,7 @@
           <a:p>
             <a:fld id="{A8E206B0-F667-4457-9769-DB2660358378}" type="datetimeFigureOut">
               <a:rPr lang="zh-TW" altLang="en-US" smtClean="0"/>
-              <a:t>2020/5/22</a:t>
+              <a:t>2020/6/27</a:t>
             </a:fld>
             <a:endParaRPr lang="zh-TW" altLang="en-US"/>
           </a:p>
@@ -2904,7 +2904,7 @@
           <a:p>
             <a:fld id="{A8E206B0-F667-4457-9769-DB2660358378}" type="datetimeFigureOut">
               <a:rPr lang="zh-TW" altLang="en-US" smtClean="0"/>
-              <a:t>2020/5/22</a:t>
+              <a:t>2020/6/27</a:t>
             </a:fld>
             <a:endParaRPr lang="zh-TW" altLang="en-US"/>
           </a:p>
@@ -3074,7 +3074,7 @@
           <a:p>
             <a:fld id="{A8E206B0-F667-4457-9769-DB2660358378}" type="datetimeFigureOut">
               <a:rPr lang="zh-TW" altLang="en-US" smtClean="0"/>
-              <a:t>2020/5/22</a:t>
+              <a:t>2020/6/27</a:t>
             </a:fld>
             <a:endParaRPr lang="zh-TW" altLang="en-US"/>
           </a:p>
@@ -3321,7 +3321,7 @@
           <a:p>
             <a:fld id="{A8E206B0-F667-4457-9769-DB2660358378}" type="datetimeFigureOut">
               <a:rPr lang="zh-TW" altLang="en-US" smtClean="0"/>
-              <a:t>2020/5/22</a:t>
+              <a:t>2020/6/27</a:t>
             </a:fld>
             <a:endParaRPr lang="zh-TW" altLang="en-US"/>
           </a:p>
@@ -3618,7 +3618,7 @@
           <a:p>
             <a:fld id="{A8E206B0-F667-4457-9769-DB2660358378}" type="datetimeFigureOut">
               <a:rPr lang="zh-TW" altLang="en-US" smtClean="0"/>
-              <a:t>2020/5/22</a:t>
+              <a:t>2020/6/27</a:t>
             </a:fld>
             <a:endParaRPr lang="zh-TW" altLang="en-US"/>
           </a:p>
@@ -3997,7 +3997,7 @@
           <a:p>
             <a:fld id="{A8E206B0-F667-4457-9769-DB2660358378}" type="datetimeFigureOut">
               <a:rPr lang="zh-TW" altLang="en-US" smtClean="0"/>
-              <a:t>2020/5/22</a:t>
+              <a:t>2020/6/27</a:t>
             </a:fld>
             <a:endParaRPr lang="zh-TW" altLang="en-US"/>
           </a:p>
@@ -4120,7 +4120,7 @@
           <a:p>
             <a:fld id="{A8E206B0-F667-4457-9769-DB2660358378}" type="datetimeFigureOut">
               <a:rPr lang="zh-TW" altLang="en-US" smtClean="0"/>
-              <a:t>2020/5/22</a:t>
+              <a:t>2020/6/27</a:t>
             </a:fld>
             <a:endParaRPr lang="zh-TW" altLang="en-US"/>
           </a:p>
@@ -4215,7 +4215,7 @@
           <a:p>
             <a:fld id="{A8E206B0-F667-4457-9769-DB2660358378}" type="datetimeFigureOut">
               <a:rPr lang="zh-TW" altLang="en-US" smtClean="0"/>
-              <a:t>2020/5/22</a:t>
+              <a:t>2020/6/27</a:t>
             </a:fld>
             <a:endParaRPr lang="zh-TW" altLang="en-US"/>
           </a:p>
@@ -4470,7 +4470,7 @@
           <a:p>
             <a:fld id="{A8E206B0-F667-4457-9769-DB2660358378}" type="datetimeFigureOut">
               <a:rPr lang="zh-TW" altLang="en-US" smtClean="0"/>
-              <a:t>2020/5/22</a:t>
+              <a:t>2020/6/27</a:t>
             </a:fld>
             <a:endParaRPr lang="zh-TW" altLang="en-US"/>
           </a:p>
@@ -4733,7 +4733,7 @@
           <a:p>
             <a:fld id="{A8E206B0-F667-4457-9769-DB2660358378}" type="datetimeFigureOut">
               <a:rPr lang="zh-TW" altLang="en-US" smtClean="0"/>
-              <a:t>2020/5/22</a:t>
+              <a:t>2020/6/27</a:t>
             </a:fld>
             <a:endParaRPr lang="zh-TW" altLang="en-US"/>
           </a:p>
@@ -5547,7 +5547,7 @@
           <a:p>
             <a:fld id="{A8E206B0-F667-4457-9769-DB2660358378}" type="datetimeFigureOut">
               <a:rPr lang="zh-TW" altLang="en-US" smtClean="0"/>
-              <a:t>2020/5/22</a:t>
+              <a:t>2020/6/27</a:t>
             </a:fld>
             <a:endParaRPr lang="zh-TW" altLang="en-US"/>
           </a:p>
@@ -21398,7 +21398,7 @@
         </p:nvSpPr>
         <p:spPr>
           <a:xfrm>
-            <a:off x="609599" y="2255840"/>
+            <a:off x="609599" y="1779590"/>
             <a:ext cx="6734176" cy="3880773"/>
           </a:xfrm>
         </p:spPr>
